--- a/6-ANCOVA-separate-slopes.pptx
+++ b/6-ANCOVA-separate-slopes.pptx
@@ -965,6 +965,93 @@
     <p:extLst>
       <p:ext uri="{BB962C8B-B14F-4D97-AF65-F5344CB8AC3E}">
         <p14:creationId xmlns:p14="http://schemas.microsoft.com/office/powerpoint/2010/main" val="1480980297"/>
+      </p:ext>
+    </p:extLst>
+  </p:cSld>
+  <p:clrMapOvr>
+    <a:masterClrMapping/>
+  </p:clrMapOvr>
+</p:notes>
+</file>
+
+<file path=ppt/notesSlides/notesSlide5.xml><?xml version="1.0" encoding="utf-8"?>
+<p:notes xmlns:a="http://schemas.openxmlformats.org/drawingml/2006/main" xmlns:r="http://schemas.openxmlformats.org/officeDocument/2006/relationships" xmlns:p="http://schemas.openxmlformats.org/presentationml/2006/main">
+  <p:cSld>
+    <p:spTree>
+      <p:nvGrpSpPr>
+        <p:cNvPr id="1" name=""/>
+        <p:cNvGrpSpPr/>
+        <p:nvPr/>
+      </p:nvGrpSpPr>
+      <p:grpSpPr>
+        <a:xfrm>
+          <a:off x="0" y="0"/>
+          <a:ext cx="0" cy="0"/>
+          <a:chOff x="0" y="0"/>
+          <a:chExt cx="0" cy="0"/>
+        </a:xfrm>
+      </p:grpSpPr>
+      <p:sp>
+        <p:nvSpPr>
+          <p:cNvPr id="2" name="Slide Image Placeholder 1"/>
+          <p:cNvSpPr>
+            <a:spLocks noGrp="1" noRot="1" noChangeAspect="1"/>
+          </p:cNvSpPr>
+          <p:nvPr>
+            <p:ph type="sldImg"/>
+          </p:nvPr>
+        </p:nvSpPr>
+        <p:spPr/>
+      </p:sp>
+      <p:sp>
+        <p:nvSpPr>
+          <p:cNvPr id="3" name="Notes Placeholder 2"/>
+          <p:cNvSpPr>
+            <a:spLocks noGrp="1"/>
+          </p:cNvSpPr>
+          <p:nvPr>
+            <p:ph type="body" idx="1"/>
+          </p:nvPr>
+        </p:nvSpPr>
+        <p:spPr/>
+        <p:txBody>
+          <a:bodyPr/>
+          <a:lstStyle/>
+          <a:p>
+            <a:r>
+              <a:rPr lang="en-US" dirty="0"/>
+              <a:t>Notice we have not attempted to discuss a comparison on main effects other than the range of significance.</a:t>
+            </a:r>
+          </a:p>
+        </p:txBody>
+      </p:sp>
+      <p:sp>
+        <p:nvSpPr>
+          <p:cNvPr id="4" name="Slide Number Placeholder 3"/>
+          <p:cNvSpPr>
+            <a:spLocks noGrp="1"/>
+          </p:cNvSpPr>
+          <p:nvPr>
+            <p:ph type="sldNum" sz="quarter" idx="5"/>
+          </p:nvPr>
+        </p:nvSpPr>
+        <p:spPr/>
+        <p:txBody>
+          <a:bodyPr/>
+          <a:lstStyle/>
+          <a:p>
+            <a:fld id="{D5CE54AD-6590-C242-A57C-54C73BA9010A}" type="slidenum">
+              <a:rPr lang="en-US" smtClean="0"/>
+              <a:t>13</a:t>
+            </a:fld>
+            <a:endParaRPr lang="en-US"/>
+          </a:p>
+        </p:txBody>
+      </p:sp>
+    </p:spTree>
+    <p:extLst>
+      <p:ext uri="{BB962C8B-B14F-4D97-AF65-F5344CB8AC3E}">
+        <p14:creationId xmlns:p14="http://schemas.microsoft.com/office/powerpoint/2010/main" val="3430386679"/>
       </p:ext>
     </p:extLst>
   </p:cSld>
@@ -4530,17 +4617,110 @@
             <p:ph idx="1"/>
           </p:nvPr>
         </p:nvSpPr>
-        <p:spPr/>
-        <p:txBody>
-          <a:bodyPr/>
+        <p:spPr>
+          <a:xfrm>
+            <a:off x="508334" y="1180896"/>
+            <a:ext cx="7886700" cy="5147715"/>
+          </a:xfrm>
+        </p:spPr>
+        <p:txBody>
+          <a:bodyPr>
+            <a:normAutofit fontScale="92500" lnSpcReduction="20000"/>
+          </a:bodyPr>
           <a:lstStyle/>
           <a:p>
             <a:pPr marL="0" indent="0">
               <a:buNone/>
             </a:pPr>
             <a:r>
+              <a:rPr lang="en-US" u="sng" dirty="0"/>
+              <a:t>Results Statement</a:t>
+            </a:r>
+            <a:r>
               <a:rPr lang="en-US" dirty="0"/>
-              <a:t>Results Statement: </a:t>
+              <a:t>: </a:t>
+            </a:r>
+          </a:p>
+          <a:p>
+            <a:pPr marL="0" indent="0">
+              <a:buNone/>
+            </a:pPr>
+            <a:r>
+              <a:rPr lang="en-US" sz="2400" dirty="0"/>
+              <a:t>“We tested the hypothesis that head-starting tortoises (</a:t>
+            </a:r>
+            <a:r>
+              <a:rPr lang="en-US" sz="2400" dirty="0">
+                <a:solidFill>
+                  <a:srgbClr val="0432FF"/>
+                </a:solidFill>
+              </a:rPr>
+              <a:t>treatment</a:t>
+            </a:r>
+            <a:r>
+              <a:rPr lang="en-US" sz="2400" dirty="0"/>
+              <a:t>) would increase their reproduction relative to tortoises not head-started (</a:t>
+            </a:r>
+            <a:r>
+              <a:rPr lang="en-US" sz="2400" dirty="0">
+                <a:solidFill>
+                  <a:srgbClr val="0432FF"/>
+                </a:solidFill>
+              </a:rPr>
+              <a:t>natural</a:t>
+            </a:r>
+            <a:r>
+              <a:rPr lang="en-US" sz="2400" dirty="0"/>
+              <a:t>; control group). </a:t>
+            </a:r>
+          </a:p>
+          <a:p>
+            <a:pPr marL="0" indent="0">
+              <a:buNone/>
+            </a:pPr>
+            <a:endParaRPr lang="en-US" sz="2400" dirty="0"/>
+          </a:p>
+          <a:p>
+            <a:pPr marL="0" indent="0">
+              <a:buNone/>
+            </a:pPr>
+            <a:r>
+              <a:rPr lang="en-US" sz="2400" dirty="0"/>
+              <a:t>An analysis of covariance showed that clutch size increased with age (F</a:t>
+            </a:r>
+            <a:r>
+              <a:rPr lang="en-US" sz="2400" baseline="-25000" dirty="0"/>
+              <a:t>1,50</a:t>
+            </a:r>
+            <a:r>
+              <a:rPr lang="en-US" sz="2400" dirty="0"/>
+              <a:t>=57.5, P &lt; 0.001), but did so differently between natural and head-started individuals (slope = 0.156 vs. 0.298; (t₅₀ = −2.12, p = 0.039). There was a significant interaction between age and treatment (F</a:t>
+            </a:r>
+            <a:r>
+              <a:rPr lang="en-US" sz="2400" baseline="-25000" dirty="0"/>
+              <a:t>1,50</a:t>
+            </a:r>
+            <a:r>
+              <a:rPr lang="en-US" sz="2400" dirty="0"/>
+              <a:t>=4.5, P &lt; 0.03), such that tortoises between 31.3 and 43.7 years did not differ in clutch size between treatment and control groups.</a:t>
+            </a:r>
+          </a:p>
+          <a:p>
+            <a:pPr marL="0" indent="0">
+              <a:buNone/>
+            </a:pPr>
+            <a:r>
+              <a:rPr lang="en-US" sz="2400" dirty="0"/>
+              <a:t> </a:t>
+            </a:r>
+          </a:p>
+          <a:p>
+            <a:pPr marL="0" indent="0">
+              <a:buNone/>
+            </a:pPr>
+            <a:r>
+              <a:rPr lang="en-US" sz="2400" dirty="0"/>
+              <a:t>This clearly indicates that ‘head-starting’ benefits younger adult tortoises, but later in life (&gt;31 years of age) tortoises that were not head-started have clutch sizes that were not distinguishable from those that were (Johnson-Neyman test).” </a:t>
             </a:r>
           </a:p>
         </p:txBody>
@@ -4560,7 +4740,7 @@
           <p:nvPr/>
         </p:nvPicPr>
         <p:blipFill>
-          <a:blip r:embed="rId2">
+          <a:blip r:embed="rId3">
             <a:extLst>
               <a:ext uri="{28A0092B-C50C-407E-A947-70E740481C1C}">
                 <a14:useLocalDpi xmlns:a14="http://schemas.microsoft.com/office/drawing/2010/main" val="0"/>

--- a/6-ANCOVA-separate-slopes.pptx
+++ b/6-ANCOVA-separate-slopes.pptx
@@ -4619,7 +4619,7 @@
         </p:nvSpPr>
         <p:spPr>
           <a:xfrm>
-            <a:off x="508334" y="1180896"/>
+            <a:off x="496303" y="1710285"/>
             <a:ext cx="7886700" cy="5147715"/>
           </a:xfrm>
         </p:spPr>
@@ -4694,7 +4694,7 @@
             </a:r>
             <a:r>
               <a:rPr lang="en-US" sz="2400" dirty="0"/>
-              <a:t>=57.5, P &lt; 0.001), but did so differently between natural and head-started individuals (slope = 0.156 vs. 0.298; (t₅₀ = −2.12, p = 0.039). There was a significant interaction between age and treatment (F</a:t>
+              <a:t>=57.5, P &lt; 0.001), but did so differently between natural and head-started individuals (slope = 0.156 vs. 0.298; t₅₀ = −2.12, p = 0.039). There was a significant interaction between age and treatment (F</a:t>
             </a:r>
             <a:r>
               <a:rPr lang="en-US" sz="2400" baseline="-25000" dirty="0"/>
@@ -4702,7 +4702,7 @@
             </a:r>
             <a:r>
               <a:rPr lang="en-US" sz="2400" dirty="0"/>
-              <a:t>=4.5, P &lt; 0.03), such that tortoises between 31.3 and 43.7 years did not differ in clutch size between treatment and control groups.</a:t>
+              <a:t>=4.5, P &lt; 0.03), such that tortoises older than 31.3 and years did not differ in clutch size between treatment and control groups.</a:t>
             </a:r>
           </a:p>
           <a:p>
@@ -4720,17 +4720,17 @@
             </a:pPr>
             <a:r>
               <a:rPr lang="en-US" sz="2400" dirty="0"/>
-              <a:t>This clearly indicates that ‘head-starting’ benefits younger adult tortoises, but later in life (&gt;31 years of age) tortoises that were not head-started have clutch sizes that were not distinguishable from those that were (Johnson-Neyman test).” </a:t>
+              <a:t>This clearly indicates that ‘head-starting’ benefits younger adult tortoises, but later in life (&gt;31 years of age) tortoises that were not head-started had clutch sizes that were not distinguishable from those that were (Johnson-Neyman test).” </a:t>
             </a:r>
           </a:p>
         </p:txBody>
       </p:sp>
       <p:pic>
         <p:nvPicPr>
-          <p:cNvPr id="4" name="Picture 6" descr="Head-starting Program for California Desert Tortoises Begins | San ...">
+          <p:cNvPr id="2" name="Picture 2" descr="$8 million partnership with NSF funds six new projects | Allen Family ...">
             <a:extLst>
               <a:ext uri="{FF2B5EF4-FFF2-40B4-BE49-F238E27FC236}">
-                <a16:creationId xmlns:a16="http://schemas.microsoft.com/office/drawing/2014/main" id="{02B6B37F-4B5A-4313-95C4-2E888DB98F03}"/>
+                <a16:creationId xmlns:a16="http://schemas.microsoft.com/office/drawing/2014/main" id="{6C1C3DE3-F511-308A-5F1E-030862BE9202}"/>
               </a:ext>
             </a:extLst>
           </p:cNvPr>
@@ -4754,7 +4754,111 @@
         </p:blipFill>
         <p:spPr bwMode="auto">
           <a:xfrm>
-            <a:off x="6905667" y="144516"/>
+            <a:off x="496303" y="194319"/>
+            <a:ext cx="3230880" cy="1391073"/>
+          </a:xfrm>
+          <a:prstGeom prst="rect">
+            <a:avLst/>
+          </a:prstGeom>
+          <a:noFill/>
+          <a:ln>
+            <a:solidFill>
+              <a:schemeClr val="tx1"/>
+            </a:solidFill>
+          </a:ln>
+          <a:extLst>
+            <a:ext uri="{909E8E84-426E-40DD-AFC4-6F175D3DCCD1}">
+              <a14:hiddenFill xmlns:a14="http://schemas.microsoft.com/office/drawing/2010/main">
+                <a:solidFill>
+                  <a:srgbClr val="FFFFFF"/>
+                </a:solidFill>
+              </a14:hiddenFill>
+            </a:ext>
+          </a:extLst>
+        </p:spPr>
+      </p:pic>
+      <p:pic>
+        <p:nvPicPr>
+          <p:cNvPr id="5" name="Picture 4" descr="Baby gopher tortoises raised at Eckerd College released in Alabama ...">
+            <a:extLst>
+              <a:ext uri="{FF2B5EF4-FFF2-40B4-BE49-F238E27FC236}">
+                <a16:creationId xmlns:a16="http://schemas.microsoft.com/office/drawing/2014/main" id="{EA1809D9-383E-5D37-8D54-89DABF25CAA6}"/>
+              </a:ext>
+            </a:extLst>
+          </p:cNvPr>
+          <p:cNvPicPr>
+            <a:picLocks noChangeAspect="1" noChangeArrowheads="1"/>
+          </p:cNvPicPr>
+          <p:nvPr/>
+        </p:nvPicPr>
+        <p:blipFill>
+          <a:blip r:embed="rId4">
+            <a:extLst>
+              <a:ext uri="{28A0092B-C50C-407E-A947-70E740481C1C}">
+                <a14:useLocalDpi xmlns:a14="http://schemas.microsoft.com/office/drawing/2010/main" val="0"/>
+              </a:ext>
+            </a:extLst>
+          </a:blip>
+          <a:srcRect/>
+          <a:stretch>
+            <a:fillRect/>
+          </a:stretch>
+        </p:blipFill>
+        <p:spPr bwMode="auto">
+          <a:xfrm>
+            <a:off x="3915486" y="207104"/>
+            <a:ext cx="2067433" cy="1378288"/>
+          </a:xfrm>
+          <a:prstGeom prst="rect">
+            <a:avLst/>
+          </a:prstGeom>
+          <a:noFill/>
+          <a:ln>
+            <a:solidFill>
+              <a:schemeClr val="tx1"/>
+            </a:solidFill>
+          </a:ln>
+          <a:extLst>
+            <a:ext uri="{909E8E84-426E-40DD-AFC4-6F175D3DCCD1}">
+              <a14:hiddenFill xmlns:a14="http://schemas.microsoft.com/office/drawing/2010/main">
+                <a:solidFill>
+                  <a:srgbClr val="FFFFFF"/>
+                </a:solidFill>
+              </a14:hiddenFill>
+            </a:ext>
+          </a:extLst>
+        </p:spPr>
+      </p:pic>
+      <p:pic>
+        <p:nvPicPr>
+          <p:cNvPr id="6" name="Picture 6" descr="Head-starting Program for California Desert Tortoises Begins | San ...">
+            <a:extLst>
+              <a:ext uri="{FF2B5EF4-FFF2-40B4-BE49-F238E27FC236}">
+                <a16:creationId xmlns:a16="http://schemas.microsoft.com/office/drawing/2014/main" id="{E7A57836-0B95-A181-889F-D009E1403F9F}"/>
+              </a:ext>
+            </a:extLst>
+          </p:cNvPr>
+          <p:cNvPicPr>
+            <a:picLocks noChangeAspect="1" noChangeArrowheads="1"/>
+          </p:cNvPicPr>
+          <p:nvPr/>
+        </p:nvPicPr>
+        <p:blipFill>
+          <a:blip r:embed="rId5">
+            <a:extLst>
+              <a:ext uri="{28A0092B-C50C-407E-A947-70E740481C1C}">
+                <a14:useLocalDpi xmlns:a14="http://schemas.microsoft.com/office/drawing/2010/main" val="0"/>
+              </a:ext>
+            </a:extLst>
+          </a:blip>
+          <a:srcRect/>
+          <a:stretch>
+            <a:fillRect/>
+          </a:stretch>
+        </p:blipFill>
+        <p:spPr bwMode="auto">
+          <a:xfrm>
+            <a:off x="6171222" y="209302"/>
             <a:ext cx="2067433" cy="1373264"/>
           </a:xfrm>
           <a:prstGeom prst="rect">
@@ -5715,7 +5819,7 @@
           <a:p>
             <a:r>
               <a:rPr lang="en-US" dirty="0"/>
-              <a:t>Example: Tortoise ‘Head Starting’</a:t>
+              <a:t>Example: Tortoise ‘Head-Starting’</a:t>
             </a:r>
           </a:p>
         </p:txBody>

--- a/6-ANCOVA-separate-slopes.pptx
+++ b/6-ANCOVA-separate-slopes.pptx
@@ -5,7 +5,7 @@
     <p:sldMasterId id="2147483660" r:id="rId1"/>
   </p:sldMasterIdLst>
   <p:notesMasterIdLst>
-    <p:notesMasterId r:id="rId17"/>
+    <p:notesMasterId r:id="rId19"/>
   </p:notesMasterIdLst>
   <p:sldIdLst>
     <p:sldId id="256" r:id="rId2"/>
@@ -21,8 +21,10 @@
     <p:sldId id="304" r:id="rId12"/>
     <p:sldId id="305" r:id="rId13"/>
     <p:sldId id="306" r:id="rId14"/>
-    <p:sldId id="291" r:id="rId15"/>
-    <p:sldId id="292" r:id="rId16"/>
+    <p:sldId id="307" r:id="rId15"/>
+    <p:sldId id="308" r:id="rId16"/>
+    <p:sldId id="309" r:id="rId17"/>
+    <p:sldId id="291" r:id="rId18"/>
   </p:sldIdLst>
   <p:sldSz cx="9144000" cy="6858000" type="screen4x3"/>
   <p:notesSz cx="6858000" cy="9144000"/>
@@ -211,7 +213,7 @@
           <a:p>
             <a:fld id="{D77A25BF-7808-2C47-868A-6397D9B1DC81}" type="datetimeFigureOut">
               <a:rPr lang="en-US" smtClean="0"/>
-              <a:t>11/24/25</a:t>
+              <a:t>11/25/25</a:t>
             </a:fld>
             <a:endParaRPr lang="en-US"/>
           </a:p>
@@ -1061,6 +1063,90 @@
 </p:notes>
 </file>
 
+<file path=ppt/notesSlides/notesSlide6.xml><?xml version="1.0" encoding="utf-8"?>
+<p:notes xmlns:a="http://schemas.openxmlformats.org/drawingml/2006/main" xmlns:r="http://schemas.openxmlformats.org/officeDocument/2006/relationships" xmlns:p="http://schemas.openxmlformats.org/presentationml/2006/main">
+  <p:cSld>
+    <p:spTree>
+      <p:nvGrpSpPr>
+        <p:cNvPr id="1" name=""/>
+        <p:cNvGrpSpPr/>
+        <p:nvPr/>
+      </p:nvGrpSpPr>
+      <p:grpSpPr>
+        <a:xfrm>
+          <a:off x="0" y="0"/>
+          <a:ext cx="0" cy="0"/>
+          <a:chOff x="0" y="0"/>
+          <a:chExt cx="0" cy="0"/>
+        </a:xfrm>
+      </p:grpSpPr>
+      <p:sp>
+        <p:nvSpPr>
+          <p:cNvPr id="2" name="Slide Image Placeholder 1"/>
+          <p:cNvSpPr>
+            <a:spLocks noGrp="1" noRot="1" noChangeAspect="1"/>
+          </p:cNvSpPr>
+          <p:nvPr>
+            <p:ph type="sldImg"/>
+          </p:nvPr>
+        </p:nvSpPr>
+        <p:spPr/>
+      </p:sp>
+      <p:sp>
+        <p:nvSpPr>
+          <p:cNvPr id="3" name="Notes Placeholder 2"/>
+          <p:cNvSpPr>
+            <a:spLocks noGrp="1"/>
+          </p:cNvSpPr>
+          <p:nvPr>
+            <p:ph type="body" idx="1"/>
+          </p:nvPr>
+        </p:nvSpPr>
+        <p:spPr/>
+        <p:txBody>
+          <a:bodyPr/>
+          <a:lstStyle/>
+          <a:p>
+            <a:endParaRPr lang="en-US" dirty="0"/>
+          </a:p>
+        </p:txBody>
+      </p:sp>
+      <p:sp>
+        <p:nvSpPr>
+          <p:cNvPr id="4" name="Slide Number Placeholder 3"/>
+          <p:cNvSpPr>
+            <a:spLocks noGrp="1"/>
+          </p:cNvSpPr>
+          <p:nvPr>
+            <p:ph type="sldNum" sz="quarter" idx="5"/>
+          </p:nvPr>
+        </p:nvSpPr>
+        <p:spPr/>
+        <p:txBody>
+          <a:bodyPr/>
+          <a:lstStyle/>
+          <a:p>
+            <a:fld id="{D5CE54AD-6590-C242-A57C-54C73BA9010A}" type="slidenum">
+              <a:rPr lang="en-US" smtClean="0"/>
+              <a:t>14</a:t>
+            </a:fld>
+            <a:endParaRPr lang="en-US"/>
+          </a:p>
+        </p:txBody>
+      </p:sp>
+    </p:spTree>
+    <p:extLst>
+      <p:ext uri="{BB962C8B-B14F-4D97-AF65-F5344CB8AC3E}">
+        <p14:creationId xmlns:p14="http://schemas.microsoft.com/office/powerpoint/2010/main" val="3832458469"/>
+      </p:ext>
+    </p:extLst>
+  </p:cSld>
+  <p:clrMapOvr>
+    <a:masterClrMapping/>
+  </p:clrMapOvr>
+</p:notes>
+</file>
+
 <file path=ppt/slideLayouts/slideLayout1.xml><?xml version="1.0" encoding="utf-8"?>
 <p:sldLayout xmlns:a="http://schemas.openxmlformats.org/drawingml/2006/main" xmlns:r="http://schemas.openxmlformats.org/officeDocument/2006/relationships" xmlns:p="http://schemas.openxmlformats.org/presentationml/2006/main" type="title" preserve="1">
   <p:cSld name="Title Slide">
@@ -1192,7 +1278,7 @@
           <a:p>
             <a:fld id="{F92F23FE-55CC-E249-B9E4-46A8ABB4615B}" type="datetimeFigureOut">
               <a:rPr lang="en-US" smtClean="0"/>
-              <a:t>11/24/25</a:t>
+              <a:t>11/25/25</a:t>
             </a:fld>
             <a:endParaRPr lang="en-US"/>
           </a:p>
@@ -1362,7 +1448,7 @@
           <a:p>
             <a:fld id="{F92F23FE-55CC-E249-B9E4-46A8ABB4615B}" type="datetimeFigureOut">
               <a:rPr lang="en-US" smtClean="0"/>
-              <a:t>11/24/25</a:t>
+              <a:t>11/25/25</a:t>
             </a:fld>
             <a:endParaRPr lang="en-US"/>
           </a:p>
@@ -1542,7 +1628,7 @@
           <a:p>
             <a:fld id="{F92F23FE-55CC-E249-B9E4-46A8ABB4615B}" type="datetimeFigureOut">
               <a:rPr lang="en-US" smtClean="0"/>
-              <a:t>11/24/25</a:t>
+              <a:t>11/25/25</a:t>
             </a:fld>
             <a:endParaRPr lang="en-US"/>
           </a:p>
@@ -1712,7 +1798,7 @@
           <a:p>
             <a:fld id="{F92F23FE-55CC-E249-B9E4-46A8ABB4615B}" type="datetimeFigureOut">
               <a:rPr lang="en-US" smtClean="0"/>
-              <a:t>11/24/25</a:t>
+              <a:t>11/25/25</a:t>
             </a:fld>
             <a:endParaRPr lang="en-US"/>
           </a:p>
@@ -1956,7 +2042,7 @@
           <a:p>
             <a:fld id="{F92F23FE-55CC-E249-B9E4-46A8ABB4615B}" type="datetimeFigureOut">
               <a:rPr lang="en-US" smtClean="0"/>
-              <a:t>11/24/25</a:t>
+              <a:t>11/25/25</a:t>
             </a:fld>
             <a:endParaRPr lang="en-US"/>
           </a:p>
@@ -2188,7 +2274,7 @@
           <a:p>
             <a:fld id="{F92F23FE-55CC-E249-B9E4-46A8ABB4615B}" type="datetimeFigureOut">
               <a:rPr lang="en-US" smtClean="0"/>
-              <a:t>11/24/25</a:t>
+              <a:t>11/25/25</a:t>
             </a:fld>
             <a:endParaRPr lang="en-US"/>
           </a:p>
@@ -2555,7 +2641,7 @@
           <a:p>
             <a:fld id="{F92F23FE-55CC-E249-B9E4-46A8ABB4615B}" type="datetimeFigureOut">
               <a:rPr lang="en-US" smtClean="0"/>
-              <a:t>11/24/25</a:t>
+              <a:t>11/25/25</a:t>
             </a:fld>
             <a:endParaRPr lang="en-US"/>
           </a:p>
@@ -2673,7 +2759,7 @@
           <a:p>
             <a:fld id="{F92F23FE-55CC-E249-B9E4-46A8ABB4615B}" type="datetimeFigureOut">
               <a:rPr lang="en-US" smtClean="0"/>
-              <a:t>11/24/25</a:t>
+              <a:t>11/25/25</a:t>
             </a:fld>
             <a:endParaRPr lang="en-US"/>
           </a:p>
@@ -2768,7 +2854,7 @@
           <a:p>
             <a:fld id="{F92F23FE-55CC-E249-B9E4-46A8ABB4615B}" type="datetimeFigureOut">
               <a:rPr lang="en-US" smtClean="0"/>
-              <a:t>11/24/25</a:t>
+              <a:t>11/25/25</a:t>
             </a:fld>
             <a:endParaRPr lang="en-US"/>
           </a:p>
@@ -3045,7 +3131,7 @@
           <a:p>
             <a:fld id="{F92F23FE-55CC-E249-B9E4-46A8ABB4615B}" type="datetimeFigureOut">
               <a:rPr lang="en-US" smtClean="0"/>
-              <a:t>11/24/25</a:t>
+              <a:t>11/25/25</a:t>
             </a:fld>
             <a:endParaRPr lang="en-US"/>
           </a:p>
@@ -3302,7 +3388,7 @@
           <a:p>
             <a:fld id="{F92F23FE-55CC-E249-B9E4-46A8ABB4615B}" type="datetimeFigureOut">
               <a:rPr lang="en-US" smtClean="0"/>
-              <a:t>11/24/25</a:t>
+              <a:t>11/25/25</a:t>
             </a:fld>
             <a:endParaRPr lang="en-US"/>
           </a:p>
@@ -3515,7 +3601,7 @@
           <a:p>
             <a:fld id="{F92F23FE-55CC-E249-B9E4-46A8ABB4615B}" type="datetimeFigureOut">
               <a:rPr lang="en-US" smtClean="0"/>
-              <a:t>11/24/25</a:t>
+              <a:t>11/25/25</a:t>
             </a:fld>
             <a:endParaRPr lang="en-US"/>
           </a:p>
@@ -4897,14 +4983,6 @@
 <file path=ppt/slides/slide14.xml><?xml version="1.0" encoding="utf-8"?>
 <p:sld xmlns:a="http://schemas.openxmlformats.org/drawingml/2006/main" xmlns:r="http://schemas.openxmlformats.org/officeDocument/2006/relationships" xmlns:p="http://schemas.openxmlformats.org/presentationml/2006/main">
   <p:cSld>
-    <p:bg>
-      <p:bgPr>
-        <a:solidFill>
-          <a:schemeClr val="tx1"/>
-        </a:solidFill>
-        <a:effectLst/>
-      </p:bgPr>
-    </p:bg>
     <p:spTree>
       <p:nvGrpSpPr>
         <p:cNvPr id="1" name=""/>
@@ -4924,7 +5002,7 @@
           <p:cNvPr id="2" name="Title 1">
             <a:extLst>
               <a:ext uri="{FF2B5EF4-FFF2-40B4-BE49-F238E27FC236}">
-                <a16:creationId xmlns:a16="http://schemas.microsoft.com/office/drawing/2014/main" id="{CDCFEC69-20B8-1B4B-A347-FFDEF904662E}"/>
+                <a16:creationId xmlns:a16="http://schemas.microsoft.com/office/drawing/2014/main" id="{16612D52-75AD-B285-5C04-C0FB4869C1E0}"/>
               </a:ext>
             </a:extLst>
           </p:cNvPr>
@@ -4935,12 +5013,26 @@
             <p:ph type="title"/>
           </p:nvPr>
         </p:nvSpPr>
-        <p:spPr/>
-        <p:txBody>
-          <a:bodyPr/>
-          <a:lstStyle/>
-          <a:p>
-            <a:endParaRPr lang="en-US"/>
+        <p:spPr>
+          <a:xfrm>
+            <a:off x="628650" y="365126"/>
+            <a:ext cx="7886700" cy="431579"/>
+          </a:xfrm>
+        </p:spPr>
+        <p:txBody>
+          <a:bodyPr>
+            <a:normAutofit fontScale="90000"/>
+          </a:bodyPr>
+          <a:lstStyle/>
+          <a:p>
+            <a:r>
+              <a:rPr lang="en-US" sz="3100" dirty="0"/>
+              <a:t>Caveat</a:t>
+            </a:r>
+            <a:r>
+              <a:rPr lang="en-US" sz="2800" dirty="0"/>
+              <a:t>:</a:t>
+            </a:r>
           </a:p>
         </p:txBody>
       </p:sp>
@@ -4949,7 +5041,7 @@
           <p:cNvPr id="3" name="Content Placeholder 2">
             <a:extLst>
               <a:ext uri="{FF2B5EF4-FFF2-40B4-BE49-F238E27FC236}">
-                <a16:creationId xmlns:a16="http://schemas.microsoft.com/office/drawing/2014/main" id="{9ED65130-A426-824F-9A92-19CB98E7675B}"/>
+                <a16:creationId xmlns:a16="http://schemas.microsoft.com/office/drawing/2014/main" id="{B43D02D8-779C-EBA6-DD31-FDBA1875C142}"/>
               </a:ext>
             </a:extLst>
           </p:cNvPr>
@@ -4960,19 +5052,107 @@
             <p:ph idx="1"/>
           </p:nvPr>
         </p:nvSpPr>
-        <p:spPr/>
-        <p:txBody>
-          <a:bodyPr/>
-          <a:lstStyle/>
-          <a:p>
-            <a:endParaRPr lang="en-US"/>
+        <p:spPr>
+          <a:xfrm>
+            <a:off x="628650" y="1095468"/>
+            <a:ext cx="7886700" cy="5332491"/>
+          </a:xfrm>
+        </p:spPr>
+        <p:txBody>
+          <a:bodyPr>
+            <a:normAutofit lnSpcReduction="10000"/>
+          </a:bodyPr>
+          <a:lstStyle/>
+          <a:p>
+            <a:r>
+              <a:rPr lang="en-US" dirty="0"/>
+              <a:t>The Johnson-Neyman technique only works for comparison of </a:t>
+            </a:r>
+            <a:r>
+              <a:rPr lang="en-US" dirty="0">
+                <a:solidFill>
+                  <a:srgbClr val="0432FF"/>
+                </a:solidFill>
+              </a:rPr>
+              <a:t>two groups</a:t>
+            </a:r>
+            <a:r>
+              <a:rPr lang="en-US" dirty="0"/>
+              <a:t>.</a:t>
+            </a:r>
+          </a:p>
+          <a:p>
+            <a:r>
+              <a:rPr lang="en-US" dirty="0"/>
+              <a:t>Johnson–Neyman (J–N) can compare </a:t>
+            </a:r>
+            <a:r>
+              <a:rPr lang="en-US" b="1" dirty="0"/>
+              <a:t>multiple treatments</a:t>
+            </a:r>
+            <a:r>
+              <a:rPr lang="en-US" dirty="0"/>
+              <a:t>, but not in a single omnibus test. You must compute </a:t>
+            </a:r>
+            <a:r>
+              <a:rPr lang="en-US" b="1" dirty="0"/>
+              <a:t>pairwise J–N regions</a:t>
+            </a:r>
+            <a:r>
+              <a:rPr lang="en-US" dirty="0"/>
+              <a:t> for each pair of groups, because the technique fundamentally examines </a:t>
+            </a:r>
+            <a:r>
+              <a:rPr lang="en-US" b="1" dirty="0"/>
+              <a:t>differences between two regression slopes at a time</a:t>
+            </a:r>
+            <a:r>
+              <a:rPr lang="en-US" dirty="0"/>
+              <a:t>.</a:t>
+            </a:r>
+          </a:p>
+          <a:p>
+            <a:endParaRPr lang="en-US" dirty="0"/>
+          </a:p>
+          <a:p>
+            <a:pPr marL="0" indent="0">
+              <a:buNone/>
+            </a:pPr>
+            <a:r>
+              <a:rPr lang="en-US" dirty="0"/>
+              <a:t>For a three-group comparison this produces:</a:t>
+            </a:r>
+          </a:p>
+          <a:p>
+            <a:r>
+              <a:rPr lang="en-US" dirty="0"/>
+              <a:t>J–N region for group A vs B</a:t>
+            </a:r>
+          </a:p>
+          <a:p>
+            <a:r>
+              <a:rPr lang="en-US" dirty="0"/>
+              <a:t>J–N region for group A vs C</a:t>
+            </a:r>
+          </a:p>
+          <a:p>
+            <a:r>
+              <a:rPr lang="en-US" dirty="0"/>
+              <a:t>J–N region for group B vs C</a:t>
+            </a:r>
+          </a:p>
+          <a:p>
+            <a:endParaRPr lang="en-US" dirty="0"/>
+          </a:p>
+          <a:p>
+            <a:endParaRPr lang="en-US" dirty="0"/>
           </a:p>
         </p:txBody>
       </p:sp>
     </p:spTree>
     <p:extLst>
       <p:ext uri="{BB962C8B-B14F-4D97-AF65-F5344CB8AC3E}">
-        <p14:creationId xmlns:p14="http://schemas.microsoft.com/office/powerpoint/2010/main" val="1578454163"/>
+        <p14:creationId xmlns:p14="http://schemas.microsoft.com/office/powerpoint/2010/main" val="971982847"/>
       </p:ext>
     </p:extLst>
   </p:cSld>
@@ -5001,10 +5181,505 @@
       </p:grpSpPr>
       <p:sp>
         <p:nvSpPr>
+          <p:cNvPr id="8" name="Title 7">
+            <a:extLst>
+              <a:ext uri="{FF2B5EF4-FFF2-40B4-BE49-F238E27FC236}">
+                <a16:creationId xmlns:a16="http://schemas.microsoft.com/office/drawing/2014/main" id="{74EAD00B-9044-7577-732D-FAAC01731024}"/>
+              </a:ext>
+            </a:extLst>
+          </p:cNvPr>
+          <p:cNvSpPr>
+            <a:spLocks noGrp="1"/>
+          </p:cNvSpPr>
+          <p:nvPr>
+            <p:ph type="title"/>
+          </p:nvPr>
+        </p:nvSpPr>
+        <p:spPr>
+          <a:xfrm>
+            <a:off x="628650" y="365126"/>
+            <a:ext cx="7886700" cy="504007"/>
+          </a:xfrm>
+        </p:spPr>
+        <p:txBody>
+          <a:bodyPr>
+            <a:normAutofit fontScale="90000"/>
+          </a:bodyPr>
+          <a:lstStyle/>
+          <a:p>
+            <a:r>
+              <a:rPr lang="en-US" dirty="0"/>
+              <a:t>Interpretation</a:t>
+            </a:r>
+          </a:p>
+        </p:txBody>
+      </p:sp>
+      <p:sp>
+        <p:nvSpPr>
+          <p:cNvPr id="9" name="Content Placeholder 8">
+            <a:extLst>
+              <a:ext uri="{FF2B5EF4-FFF2-40B4-BE49-F238E27FC236}">
+                <a16:creationId xmlns:a16="http://schemas.microsoft.com/office/drawing/2014/main" id="{421B82F6-0913-9578-A3E3-9064CA18C9F6}"/>
+              </a:ext>
+            </a:extLst>
+          </p:cNvPr>
+          <p:cNvSpPr>
+            <a:spLocks noGrp="1"/>
+          </p:cNvSpPr>
+          <p:nvPr>
+            <p:ph idx="1"/>
+          </p:nvPr>
+        </p:nvSpPr>
+        <p:spPr>
+          <a:xfrm>
+            <a:off x="628650" y="1068309"/>
+            <a:ext cx="7886700" cy="841972"/>
+          </a:xfrm>
+        </p:spPr>
+        <p:txBody>
+          <a:bodyPr>
+            <a:normAutofit/>
+          </a:bodyPr>
+          <a:lstStyle/>
+          <a:p>
+            <a:pPr marL="0" indent="0">
+              <a:buNone/>
+            </a:pPr>
+            <a:r>
+              <a:rPr lang="en-US" sz="2400" dirty="0"/>
+              <a:t>If you have 3+ treatments, the J–N approach gives you a </a:t>
+            </a:r>
+            <a:r>
+              <a:rPr lang="en-US" sz="2400" b="1" dirty="0"/>
+              <a:t>map of significance</a:t>
+            </a:r>
+            <a:r>
+              <a:rPr lang="en-US" sz="2400" dirty="0"/>
+              <a:t> across the covariate:</a:t>
+            </a:r>
+          </a:p>
+          <a:p>
+            <a:pPr marL="0" indent="0">
+              <a:buNone/>
+            </a:pPr>
+            <a:endParaRPr lang="en-US" dirty="0"/>
+          </a:p>
+          <a:p>
+            <a:pPr marL="0" indent="0">
+              <a:buNone/>
+            </a:pPr>
+            <a:endParaRPr lang="en-US" dirty="0"/>
+          </a:p>
+          <a:p>
+            <a:endParaRPr lang="en-US" dirty="0"/>
+          </a:p>
+        </p:txBody>
+      </p:sp>
+      <p:graphicFrame>
+        <p:nvGraphicFramePr>
+          <p:cNvPr id="14" name="Table 13">
+            <a:extLst>
+              <a:ext uri="{FF2B5EF4-FFF2-40B4-BE49-F238E27FC236}">
+                <a16:creationId xmlns:a16="http://schemas.microsoft.com/office/drawing/2014/main" id="{CB6FFDF2-0BE5-2001-4657-50C4556A76AE}"/>
+              </a:ext>
+            </a:extLst>
+          </p:cNvPr>
+          <p:cNvGraphicFramePr>
+            <a:graphicFrameLocks noGrp="1"/>
+          </p:cNvGraphicFramePr>
+          <p:nvPr>
+            <p:extLst>
+              <p:ext uri="{D42A27DB-BD31-4B8C-83A1-F6EECF244321}">
+                <p14:modId xmlns:p14="http://schemas.microsoft.com/office/powerpoint/2010/main" val="3721089364"/>
+              </p:ext>
+            </p:extLst>
+          </p:nvPr>
+        </p:nvGraphicFramePr>
+        <p:xfrm>
+          <a:off x="1514192" y="1955548"/>
+          <a:ext cx="5955671" cy="1766280"/>
+        </p:xfrm>
+        <a:graphic>
+          <a:graphicData uri="http://schemas.openxmlformats.org/drawingml/2006/table">
+            <a:tbl>
+              <a:tblPr firstRow="1" bandRow="1">
+                <a:tableStyleId>{5C22544A-7EE6-4342-B048-85BDC9FD1C3A}</a:tableStyleId>
+              </a:tblPr>
+              <a:tblGrid>
+                <a:gridCol w="2542515">
+                  <a:extLst>
+                    <a:ext uri="{9D8B030D-6E8A-4147-A177-3AD203B41FA5}">
+                      <a16:colId xmlns:a16="http://schemas.microsoft.com/office/drawing/2014/main" val="932474384"/>
+                    </a:ext>
+                  </a:extLst>
+                </a:gridCol>
+                <a:gridCol w="3413156">
+                  <a:extLst>
+                    <a:ext uri="{9D8B030D-6E8A-4147-A177-3AD203B41FA5}">
+                      <a16:colId xmlns:a16="http://schemas.microsoft.com/office/drawing/2014/main" val="2741469037"/>
+                    </a:ext>
+                  </a:extLst>
+                </a:gridCol>
+              </a:tblGrid>
+              <a:tr h="441570">
+                <a:tc>
+                  <a:txBody>
+                    <a:bodyPr/>
+                    <a:lstStyle/>
+                    <a:p>
+                      <a:pPr>
+                        <a:buNone/>
+                      </a:pPr>
+                      <a:r>
+                        <a:rPr lang="en-US" dirty="0"/>
+                        <a:t>Pairwise Comparison</a:t>
+                      </a:r>
+                    </a:p>
+                  </a:txBody>
+                  <a:tcPr anchor="ctr"/>
+                </a:tc>
+                <a:tc>
+                  <a:txBody>
+                    <a:bodyPr/>
+                    <a:lstStyle/>
+                    <a:p>
+                      <a:pPr>
+                        <a:buNone/>
+                      </a:pPr>
+                      <a:r>
+                        <a:rPr lang="en-US" dirty="0"/>
+                        <a:t>Significant Range of Covariate</a:t>
+                      </a:r>
+                    </a:p>
+                  </a:txBody>
+                  <a:tcPr anchor="ctr"/>
+                </a:tc>
+                <a:extLst>
+                  <a:ext uri="{0D108BD9-81ED-4DB2-BD59-A6C34878D82A}">
+                    <a16:rowId xmlns:a16="http://schemas.microsoft.com/office/drawing/2014/main" val="988192734"/>
+                  </a:ext>
+                </a:extLst>
+              </a:tr>
+              <a:tr h="441570">
+                <a:tc>
+                  <a:txBody>
+                    <a:bodyPr/>
+                    <a:lstStyle/>
+                    <a:p>
+                      <a:pPr>
+                        <a:buNone/>
+                      </a:pPr>
+                      <a:r>
+                        <a:rPr lang="en-US" dirty="0"/>
+                        <a:t>A vs B</a:t>
+                      </a:r>
+                    </a:p>
+                  </a:txBody>
+                  <a:tcPr anchor="ctr"/>
+                </a:tc>
+                <a:tc>
+                  <a:txBody>
+                    <a:bodyPr/>
+                    <a:lstStyle/>
+                    <a:p>
+                      <a:pPr>
+                        <a:buNone/>
+                      </a:pPr>
+                      <a:r>
+                        <a:rPr lang="en-US" dirty="0"/>
+                        <a:t>e.g., covariate &gt; 12.4</a:t>
+                      </a:r>
+                    </a:p>
+                  </a:txBody>
+                  <a:tcPr anchor="ctr"/>
+                </a:tc>
+                <a:extLst>
+                  <a:ext uri="{0D108BD9-81ED-4DB2-BD59-A6C34878D82A}">
+                    <a16:rowId xmlns:a16="http://schemas.microsoft.com/office/drawing/2014/main" val="275433630"/>
+                  </a:ext>
+                </a:extLst>
+              </a:tr>
+              <a:tr h="441570">
+                <a:tc>
+                  <a:txBody>
+                    <a:bodyPr/>
+                    <a:lstStyle/>
+                    <a:p>
+                      <a:pPr>
+                        <a:buNone/>
+                      </a:pPr>
+                      <a:r>
+                        <a:rPr lang="en-US" dirty="0"/>
+                        <a:t>A vs C</a:t>
+                      </a:r>
+                    </a:p>
+                  </a:txBody>
+                  <a:tcPr anchor="ctr"/>
+                </a:tc>
+                <a:tc>
+                  <a:txBody>
+                    <a:bodyPr/>
+                    <a:lstStyle/>
+                    <a:p>
+                      <a:r>
+                        <a:rPr lang="en-US" dirty="0"/>
+                        <a:t>No J–N region (never differ)</a:t>
+                      </a:r>
+                    </a:p>
+                  </a:txBody>
+                  <a:tcPr/>
+                </a:tc>
+                <a:extLst>
+                  <a:ext uri="{0D108BD9-81ED-4DB2-BD59-A6C34878D82A}">
+                    <a16:rowId xmlns:a16="http://schemas.microsoft.com/office/drawing/2014/main" val="708966078"/>
+                  </a:ext>
+                </a:extLst>
+              </a:tr>
+              <a:tr h="441570">
+                <a:tc>
+                  <a:txBody>
+                    <a:bodyPr/>
+                    <a:lstStyle/>
+                    <a:p>
+                      <a:r>
+                        <a:rPr lang="en-US" dirty="0"/>
+                        <a:t>B vs C</a:t>
+                      </a:r>
+                    </a:p>
+                  </a:txBody>
+                  <a:tcPr/>
+                </a:tc>
+                <a:tc>
+                  <a:txBody>
+                    <a:bodyPr/>
+                    <a:lstStyle/>
+                    <a:p>
+                      <a:r>
+                        <a:rPr lang="en-US" dirty="0"/>
+                        <a:t>covariate &lt; 8.7</a:t>
+                      </a:r>
+                    </a:p>
+                  </a:txBody>
+                  <a:tcPr/>
+                </a:tc>
+                <a:extLst>
+                  <a:ext uri="{0D108BD9-81ED-4DB2-BD59-A6C34878D82A}">
+                    <a16:rowId xmlns:a16="http://schemas.microsoft.com/office/drawing/2014/main" val="3957114752"/>
+                  </a:ext>
+                </a:extLst>
+              </a:tr>
+            </a:tbl>
+          </a:graphicData>
+        </a:graphic>
+      </p:graphicFrame>
+      <p:sp>
+        <p:nvSpPr>
+          <p:cNvPr id="15" name="TextBox 14">
+            <a:extLst>
+              <a:ext uri="{FF2B5EF4-FFF2-40B4-BE49-F238E27FC236}">
+                <a16:creationId xmlns:a16="http://schemas.microsoft.com/office/drawing/2014/main" id="{D0811D34-70F1-FBAD-4544-6D8D77FFEAAA}"/>
+              </a:ext>
+            </a:extLst>
+          </p:cNvPr>
+          <p:cNvSpPr txBox="1"/>
+          <p:nvPr/>
+        </p:nvSpPr>
+        <p:spPr>
+          <a:xfrm>
+            <a:off x="817830" y="3929204"/>
+            <a:ext cx="7348396" cy="1569660"/>
+          </a:xfrm>
+          <a:prstGeom prst="rect">
+            <a:avLst/>
+          </a:prstGeom>
+          <a:noFill/>
+        </p:spPr>
+        <p:txBody>
+          <a:bodyPr wrap="square" rtlCol="0">
+            <a:spAutoFit/>
+          </a:bodyPr>
+          <a:lstStyle/>
+          <a:p>
+            <a:r>
+              <a:rPr lang="en-US" sz="2400" dirty="0"/>
+              <a:t>This is often </a:t>
+            </a:r>
+            <a:r>
+              <a:rPr lang="en-US" sz="2400" b="1" dirty="0"/>
+              <a:t>more informative than the raw ANCOVA interaction</a:t>
+            </a:r>
+            <a:r>
+              <a:rPr lang="en-US" sz="2400" dirty="0"/>
+              <a:t>, because it shows </a:t>
+            </a:r>
+            <a:r>
+              <a:rPr lang="en-US" sz="2400" i="1" dirty="0"/>
+              <a:t>where</a:t>
+            </a:r>
+            <a:r>
+              <a:rPr lang="en-US" sz="2400" dirty="0"/>
+              <a:t> differences occur.</a:t>
+            </a:r>
+          </a:p>
+          <a:p>
+            <a:endParaRPr lang="en-US" sz="2400" dirty="0"/>
+          </a:p>
+          <a:p>
+            <a:r>
+              <a:rPr lang="en-US" sz="2400" dirty="0">
+                <a:solidFill>
+                  <a:srgbClr val="0432FF"/>
+                </a:solidFill>
+              </a:rPr>
+              <a:t>We will only consider comparisons between two groups.</a:t>
+            </a:r>
+          </a:p>
+        </p:txBody>
+      </p:sp>
+    </p:spTree>
+    <p:extLst>
+      <p:ext uri="{BB962C8B-B14F-4D97-AF65-F5344CB8AC3E}">
+        <p14:creationId xmlns:p14="http://schemas.microsoft.com/office/powerpoint/2010/main" val="2150190486"/>
+      </p:ext>
+    </p:extLst>
+  </p:cSld>
+  <p:clrMapOvr>
+    <a:masterClrMapping/>
+  </p:clrMapOvr>
+</p:sld>
+</file>
+
+<file path=ppt/slides/slide16.xml><?xml version="1.0" encoding="utf-8"?>
+<p:sld xmlns:a="http://schemas.openxmlformats.org/drawingml/2006/main" xmlns:r="http://schemas.openxmlformats.org/officeDocument/2006/relationships" xmlns:p="http://schemas.openxmlformats.org/presentationml/2006/main">
+  <p:cSld>
+    <p:spTree>
+      <p:nvGrpSpPr>
+        <p:cNvPr id="1" name=""/>
+        <p:cNvGrpSpPr/>
+        <p:nvPr/>
+      </p:nvGrpSpPr>
+      <p:grpSpPr>
+        <a:xfrm>
+          <a:off x="0" y="0"/>
+          <a:ext cx="0" cy="0"/>
+          <a:chOff x="0" y="0"/>
+          <a:chExt cx="0" cy="0"/>
+        </a:xfrm>
+      </p:grpSpPr>
+      <p:pic>
+        <p:nvPicPr>
+          <p:cNvPr id="8" name="Picture 7">
+            <a:extLst>
+              <a:ext uri="{FF2B5EF4-FFF2-40B4-BE49-F238E27FC236}">
+                <a16:creationId xmlns:a16="http://schemas.microsoft.com/office/drawing/2014/main" id="{CF26C811-1D49-7915-1C16-D254158FD2D5}"/>
+              </a:ext>
+            </a:extLst>
+          </p:cNvPr>
+          <p:cNvPicPr>
+            <a:picLocks noChangeAspect="1"/>
+          </p:cNvPicPr>
+          <p:nvPr/>
+        </p:nvPicPr>
+        <p:blipFill>
+          <a:blip r:embed="rId2"/>
+          <a:stretch>
+            <a:fillRect/>
+          </a:stretch>
+        </p:blipFill>
+        <p:spPr>
+          <a:xfrm>
+            <a:off x="2000250" y="0"/>
+            <a:ext cx="5143500" cy="6858000"/>
+          </a:xfrm>
+          <a:prstGeom prst="rect">
+            <a:avLst/>
+          </a:prstGeom>
+        </p:spPr>
+      </p:pic>
+      <p:sp>
+        <p:nvSpPr>
+          <p:cNvPr id="6" name="TextBox 5">
+            <a:extLst>
+              <a:ext uri="{FF2B5EF4-FFF2-40B4-BE49-F238E27FC236}">
+                <a16:creationId xmlns:a16="http://schemas.microsoft.com/office/drawing/2014/main" id="{92078637-F6C9-921B-5AC8-DC3247667130}"/>
+              </a:ext>
+            </a:extLst>
+          </p:cNvPr>
+          <p:cNvSpPr txBox="1"/>
+          <p:nvPr/>
+        </p:nvSpPr>
+        <p:spPr>
+          <a:xfrm>
+            <a:off x="360947" y="457200"/>
+            <a:ext cx="2672848" cy="461665"/>
+          </a:xfrm>
+          <a:prstGeom prst="rect">
+            <a:avLst/>
+          </a:prstGeom>
+          <a:noFill/>
+          <a:ln w="12700">
+            <a:solidFill>
+              <a:schemeClr val="tx1"/>
+            </a:solidFill>
+          </a:ln>
+        </p:spPr>
+        <p:txBody>
+          <a:bodyPr wrap="none" rtlCol="0">
+            <a:spAutoFit/>
+          </a:bodyPr>
+          <a:lstStyle/>
+          <a:p>
+            <a:r>
+              <a:rPr lang="en-US" sz="2400" dirty="0"/>
+              <a:t>ANCOVA Flow Chart</a:t>
+            </a:r>
+          </a:p>
+        </p:txBody>
+      </p:sp>
+    </p:spTree>
+    <p:extLst>
+      <p:ext uri="{BB962C8B-B14F-4D97-AF65-F5344CB8AC3E}">
+        <p14:creationId xmlns:p14="http://schemas.microsoft.com/office/powerpoint/2010/main" val="421634846"/>
+      </p:ext>
+    </p:extLst>
+  </p:cSld>
+  <p:clrMapOvr>
+    <a:masterClrMapping/>
+  </p:clrMapOvr>
+</p:sld>
+</file>
+
+<file path=ppt/slides/slide17.xml><?xml version="1.0" encoding="utf-8"?>
+<p:sld xmlns:a="http://schemas.openxmlformats.org/drawingml/2006/main" xmlns:r="http://schemas.openxmlformats.org/officeDocument/2006/relationships" xmlns:p="http://schemas.openxmlformats.org/presentationml/2006/main">
+  <p:cSld>
+    <p:bg>
+      <p:bgPr>
+        <a:solidFill>
+          <a:schemeClr val="tx1"/>
+        </a:solidFill>
+        <a:effectLst/>
+      </p:bgPr>
+    </p:bg>
+    <p:spTree>
+      <p:nvGrpSpPr>
+        <p:cNvPr id="1" name=""/>
+        <p:cNvGrpSpPr/>
+        <p:nvPr/>
+      </p:nvGrpSpPr>
+      <p:grpSpPr>
+        <a:xfrm>
+          <a:off x="0" y="0"/>
+          <a:ext cx="0" cy="0"/>
+          <a:chOff x="0" y="0"/>
+          <a:chExt cx="0" cy="0"/>
+        </a:xfrm>
+      </p:grpSpPr>
+      <p:sp>
+        <p:nvSpPr>
           <p:cNvPr id="2" name="Title 1">
             <a:extLst>
               <a:ext uri="{FF2B5EF4-FFF2-40B4-BE49-F238E27FC236}">
-                <a16:creationId xmlns:a16="http://schemas.microsoft.com/office/drawing/2014/main" id="{C8F8CB94-AB5F-DA0B-37EE-073C28DEAEF8}"/>
+                <a16:creationId xmlns:a16="http://schemas.microsoft.com/office/drawing/2014/main" id="{CDCFEC69-20B8-1B4B-A347-FFDEF904662E}"/>
               </a:ext>
             </a:extLst>
           </p:cNvPr>
@@ -5020,10 +5695,7 @@
           <a:bodyPr/>
           <a:lstStyle/>
           <a:p>
-            <a:r>
-              <a:rPr lang="en-US" dirty="0"/>
-              <a:t>Comparing More than 2 Levels of the Categorical Predictor Variable</a:t>
-            </a:r>
+            <a:endParaRPr lang="en-US"/>
           </a:p>
         </p:txBody>
       </p:sp>
@@ -5032,7 +5704,7 @@
           <p:cNvPr id="3" name="Content Placeholder 2">
             <a:extLst>
               <a:ext uri="{FF2B5EF4-FFF2-40B4-BE49-F238E27FC236}">
-                <a16:creationId xmlns:a16="http://schemas.microsoft.com/office/drawing/2014/main" id="{E1F2957C-634C-53EB-297B-67BCD0F36D44}"/>
+                <a16:creationId xmlns:a16="http://schemas.microsoft.com/office/drawing/2014/main" id="{9ED65130-A426-824F-9A92-19CB98E7675B}"/>
               </a:ext>
             </a:extLst>
           </p:cNvPr>
@@ -5048,47 +5720,14 @@
           <a:bodyPr/>
           <a:lstStyle/>
           <a:p>
-            <a:r>
-              <a:rPr lang="en-US" dirty="0"/>
-              <a:t>Can use </a:t>
-            </a:r>
-            <a:r>
-              <a:rPr lang="en-US" dirty="0" err="1">
-                <a:solidFill>
-                  <a:srgbClr val="7030A0"/>
-                </a:solidFill>
-              </a:rPr>
-              <a:t>emmeans</a:t>
-            </a:r>
-            <a:r>
-              <a:rPr lang="en-US" dirty="0"/>
-              <a:t> to calculate differences among adjusted means </a:t>
-            </a:r>
-          </a:p>
-          <a:p>
-            <a:r>
-              <a:rPr lang="en-US" dirty="0"/>
-              <a:t> Can use </a:t>
-            </a:r>
-            <a:r>
-              <a:rPr lang="en-US" dirty="0" err="1">
-                <a:solidFill>
-                  <a:srgbClr val="7030A0"/>
-                </a:solidFill>
-              </a:rPr>
-              <a:t>multcomp</a:t>
-            </a:r>
-            <a:r>
-              <a:rPr lang="en-US" dirty="0"/>
-              <a:t> in the same way we did for 1 and 2 way ANOVAs (all are GLMs)</a:t>
-            </a:r>
+            <a:endParaRPr lang="en-US"/>
           </a:p>
         </p:txBody>
       </p:sp>
     </p:spTree>
     <p:extLst>
       <p:ext uri="{BB962C8B-B14F-4D97-AF65-F5344CB8AC3E}">
-        <p14:creationId xmlns:p14="http://schemas.microsoft.com/office/powerpoint/2010/main" val="976541392"/>
+        <p14:creationId xmlns:p14="http://schemas.microsoft.com/office/powerpoint/2010/main" val="1578454163"/>
       </p:ext>
     </p:extLst>
   </p:cSld>
@@ -7722,7 +8361,7 @@
             </a:r>
             <a:r>
               <a:rPr lang="en-US" sz="2400" dirty="0"/>
-              <a:t>(X = 'age’, Y = '</a:t>
+              <a:t>(X = 'age', Y = '</a:t>
             </a:r>
             <a:r>
               <a:rPr lang="en-US" sz="2400" dirty="0" err="1"/>
@@ -7747,6 +8386,14 @@
             <a:r>
               <a:rPr lang="en-US" sz="2400" dirty="0"/>
               <a:t> = TRUE) </a:t>
+            </a:r>
+            <a:r>
+              <a:rPr lang="en-US" sz="2400" dirty="0">
+                <a:solidFill>
+                  <a:srgbClr val="00B050"/>
+                </a:solidFill>
+              </a:rPr>
+              <a:t># use ' not some other char.</a:t>
             </a:r>
           </a:p>
         </p:txBody>
